--- a/Concept.pptx
+++ b/Concept.pptx
@@ -10,8 +10,8 @@
   <p:sldIdLst>
     <p:sldId id="257" r:id="rId2"/>
     <p:sldId id="258" r:id="rId3"/>
-    <p:sldId id="261" r:id="rId4"/>
-    <p:sldId id="259" r:id="rId5"/>
+    <p:sldId id="259" r:id="rId4"/>
+    <p:sldId id="261" r:id="rId5"/>
     <p:sldId id="264" r:id="rId6"/>
     <p:sldId id="267" r:id="rId7"/>
     <p:sldId id="268" r:id="rId8"/>
@@ -5305,7 +5305,21 @@
                 <a:latin typeface="Helvetica Neue Light"/>
                 <a:cs typeface="Helvetica Neue Light"/>
               </a:rPr>
-              <a:t>12. SCREW STANDS</a:t>
+              <a:t>(I)</a:t>
+            </a:r>
+            <a:r>
+              <a:rPr lang="en-US" sz="3400" dirty="0" smtClean="0">
+                <a:latin typeface="Helvetica Neue Light"/>
+                <a:cs typeface="Helvetica Neue Light"/>
+              </a:rPr>
+              <a:t> </a:t>
+            </a:r>
+            <a:r>
+              <a:rPr lang="en-US" sz="3400" dirty="0" smtClean="0">
+                <a:latin typeface="Helvetica Neue Light"/>
+                <a:cs typeface="Helvetica Neue Light"/>
+              </a:rPr>
+              <a:t>SCREW STANDS</a:t>
             </a:r>
           </a:p>
         </p:txBody>
@@ -5866,7 +5880,21 @@
                 <a:latin typeface="Helvetica Neue Light"/>
                 <a:cs typeface="Helvetica Neue Light"/>
               </a:rPr>
-              <a:t>13. FIND SOUTH</a:t>
+              <a:t>(I)</a:t>
+            </a:r>
+            <a:r>
+              <a:rPr lang="en-US" sz="3400" dirty="0" smtClean="0">
+                <a:latin typeface="Helvetica Neue Light"/>
+                <a:cs typeface="Helvetica Neue Light"/>
+              </a:rPr>
+              <a:t> </a:t>
+            </a:r>
+            <a:r>
+              <a:rPr lang="en-US" sz="3400" dirty="0" smtClean="0">
+                <a:latin typeface="Helvetica Neue Light"/>
+                <a:cs typeface="Helvetica Neue Light"/>
+              </a:rPr>
+              <a:t>FIND SOUTH</a:t>
             </a:r>
           </a:p>
         </p:txBody>
@@ -6370,7 +6398,14 @@
                 <a:latin typeface="Helvetica Neue Light"/>
                 <a:cs typeface="Helvetica Neue Light"/>
               </a:rPr>
-              <a:t>14. CHECK VOLTAGE</a:t>
+              <a:t>(I) CHECK </a:t>
+            </a:r>
+            <a:r>
+              <a:rPr lang="en-US" sz="3400" dirty="0" smtClean="0">
+                <a:latin typeface="Helvetica Neue Light"/>
+                <a:cs typeface="Helvetica Neue Light"/>
+              </a:rPr>
+              <a:t>VOLTAGE</a:t>
             </a:r>
           </a:p>
         </p:txBody>
@@ -6782,7 +6817,14 @@
                 <a:latin typeface="Helvetica Neue Light"/>
                 <a:cs typeface="Helvetica Neue Light"/>
               </a:rPr>
-              <a:t>15. MARK HOLES</a:t>
+              <a:t>(I) </a:t>
+            </a:r>
+            <a:r>
+              <a:rPr lang="en-US" sz="3400" dirty="0" smtClean="0">
+                <a:latin typeface="Helvetica Neue Light"/>
+                <a:cs typeface="Helvetica Neue Light"/>
+              </a:rPr>
+              <a:t>MARK HOLES</a:t>
             </a:r>
           </a:p>
         </p:txBody>
@@ -7160,11 +7202,25 @@
           <a:lstStyle/>
           <a:p>
             <a:r>
+              <a:rPr lang="en-US" sz="3400" dirty="0">
+                <a:latin typeface="Helvetica Neue Light"/>
+                <a:cs typeface="Helvetica Neue Light"/>
+              </a:rPr>
+              <a:t>(I</a:t>
+            </a:r>
+            <a:r>
               <a:rPr lang="en-US" sz="3400" dirty="0" smtClean="0">
                 <a:latin typeface="Helvetica Neue Light"/>
                 <a:cs typeface="Helvetica Neue Light"/>
               </a:rPr>
-              <a:t>16. DRILL HOLES</a:t>
+              <a:t>) </a:t>
+            </a:r>
+            <a:r>
+              <a:rPr lang="en-US" sz="3400" dirty="0" smtClean="0">
+                <a:latin typeface="Helvetica Neue Light"/>
+                <a:cs typeface="Helvetica Neue Light"/>
+              </a:rPr>
+              <a:t>DRILL HOLES</a:t>
             </a:r>
           </a:p>
         </p:txBody>
@@ -9450,11 +9506,25 @@
           <a:lstStyle/>
           <a:p>
             <a:r>
+              <a:rPr lang="en-US" sz="3400" dirty="0">
+                <a:latin typeface="Helvetica Neue Light"/>
+                <a:cs typeface="Helvetica Neue Light"/>
+              </a:rPr>
+              <a:t>(I</a:t>
+            </a:r>
+            <a:r>
               <a:rPr lang="en-US" sz="3400" dirty="0" smtClean="0">
                 <a:latin typeface="Helvetica Neue Light"/>
                 <a:cs typeface="Helvetica Neue Light"/>
               </a:rPr>
-              <a:t>21. FASTEN STANDS</a:t>
+              <a:t>) FASTEN </a:t>
+            </a:r>
+            <a:r>
+              <a:rPr lang="en-US" sz="3400" dirty="0" smtClean="0">
+                <a:latin typeface="Helvetica Neue Light"/>
+                <a:cs typeface="Helvetica Neue Light"/>
+              </a:rPr>
+              <a:t>STANDS</a:t>
             </a:r>
           </a:p>
         </p:txBody>
@@ -11781,18 +11851,32 @@
           <a:lstStyle/>
           <a:p>
             <a:r>
-              <a:rPr lang="en-US" sz="3400" dirty="0">
+              <a:rPr lang="en-US" sz="3400">
                 <a:latin typeface="Helvetica Neue Light"/>
                 <a:cs typeface="Helvetica Neue Light"/>
               </a:rPr>
-              <a:t>2</a:t>
+              <a:t>(</a:t>
+            </a:r>
+            <a:r>
+              <a:rPr lang="en-US" sz="3400">
+                <a:latin typeface="Helvetica Neue Light"/>
+                <a:cs typeface="Helvetica Neue Light"/>
+              </a:rPr>
+              <a:t>I</a:t>
+            </a:r>
+            <a:r>
+              <a:rPr lang="en-US" sz="3400" smtClean="0">
+                <a:latin typeface="Helvetica Neue Light"/>
+                <a:cs typeface="Helvetica Neue Light"/>
+              </a:rPr>
+              <a:t>) Take </a:t>
             </a:r>
             <a:r>
               <a:rPr lang="en-US" sz="3400" dirty="0" smtClean="0">
                 <a:latin typeface="Helvetica Neue Light"/>
                 <a:cs typeface="Helvetica Neue Light"/>
               </a:rPr>
-              <a:t>7. Take a picture</a:t>
+              <a:t>a picture</a:t>
             </a:r>
           </a:p>
         </p:txBody>
@@ -12259,418 +12343,6 @@
         </p:nvSpPr>
         <p:spPr>
           <a:xfrm>
-            <a:off x="0" y="3757763"/>
-            <a:ext cx="6858000" cy="1646482"/>
-          </a:xfrm>
-          <a:prstGeom prst="rect">
-            <a:avLst/>
-          </a:prstGeom>
-          <a:solidFill>
-            <a:schemeClr val="bg1">
-              <a:alpha val="70000"/>
-            </a:schemeClr>
-          </a:solidFill>
-          <a:ln>
-            <a:noFill/>
-          </a:ln>
-          <a:effectLst/>
-        </p:spPr>
-        <p:style>
-          <a:lnRef idx="1">
-            <a:schemeClr val="accent1"/>
-          </a:lnRef>
-          <a:fillRef idx="3">
-            <a:schemeClr val="accent1"/>
-          </a:fillRef>
-          <a:effectRef idx="2">
-            <a:schemeClr val="accent1"/>
-          </a:effectRef>
-          <a:fontRef idx="minor">
-            <a:schemeClr val="lt1"/>
-          </a:fontRef>
-        </p:style>
-        <p:txBody>
-          <a:bodyPr rtlCol="0" anchor="ctr"/>
-          <a:lstStyle/>
-          <a:p>
-            <a:pPr algn="ctr"/>
-            <a:endParaRPr lang="en-US"/>
-          </a:p>
-        </p:txBody>
-      </p:sp>
-      <p:sp>
-        <p:nvSpPr>
-          <p:cNvPr id="29" name="Rectangle 28"/>
-          <p:cNvSpPr/>
-          <p:nvPr/>
-        </p:nvSpPr>
-        <p:spPr>
-          <a:xfrm>
-            <a:off x="0" y="0"/>
-            <a:ext cx="6858000" cy="1065221"/>
-          </a:xfrm>
-          <a:prstGeom prst="rect">
-            <a:avLst/>
-          </a:prstGeom>
-          <a:solidFill>
-            <a:schemeClr val="bg1">
-              <a:alpha val="70000"/>
-            </a:schemeClr>
-          </a:solidFill>
-          <a:ln>
-            <a:noFill/>
-          </a:ln>
-          <a:effectLst/>
-        </p:spPr>
-        <p:style>
-          <a:lnRef idx="1">
-            <a:schemeClr val="accent1"/>
-          </a:lnRef>
-          <a:fillRef idx="3">
-            <a:schemeClr val="accent1"/>
-          </a:fillRef>
-          <a:effectRef idx="2">
-            <a:schemeClr val="accent1"/>
-          </a:effectRef>
-          <a:fontRef idx="minor">
-            <a:schemeClr val="lt1"/>
-          </a:fontRef>
-        </p:style>
-        <p:txBody>
-          <a:bodyPr rtlCol="0" anchor="ctr"/>
-          <a:lstStyle/>
-          <a:p>
-            <a:pPr algn="ctr"/>
-            <a:endParaRPr lang="en-US"/>
-          </a:p>
-        </p:txBody>
-      </p:sp>
-      <p:sp>
-        <p:nvSpPr>
-          <p:cNvPr id="30" name="Rectangle 29"/>
-          <p:cNvSpPr/>
-          <p:nvPr/>
-        </p:nvSpPr>
-        <p:spPr>
-          <a:xfrm>
-            <a:off x="471199" y="228600"/>
-            <a:ext cx="5941210" cy="615553"/>
-          </a:xfrm>
-          <a:prstGeom prst="rect">
-            <a:avLst/>
-          </a:prstGeom>
-        </p:spPr>
-        <p:txBody>
-          <a:bodyPr wrap="square">
-            <a:spAutoFit/>
-          </a:bodyPr>
-          <a:lstStyle/>
-          <a:p>
-            <a:r>
-              <a:rPr lang="en-US" sz="3400" dirty="0" smtClean="0">
-                <a:latin typeface="Helvetica Neue Light"/>
-                <a:cs typeface="Helvetica Neue Light"/>
-              </a:rPr>
-              <a:t>1. REGISTER SENSOR</a:t>
-            </a:r>
-          </a:p>
-        </p:txBody>
-      </p:sp>
-      <p:sp>
-        <p:nvSpPr>
-          <p:cNvPr id="2" name="TextBox 1"/>
-          <p:cNvSpPr txBox="1"/>
-          <p:nvPr/>
-        </p:nvSpPr>
-        <p:spPr>
-          <a:xfrm>
-            <a:off x="471199" y="4185046"/>
-            <a:ext cx="5941210" cy="400110"/>
-          </a:xfrm>
-          <a:prstGeom prst="rect">
-            <a:avLst/>
-          </a:prstGeom>
-          <a:noFill/>
-        </p:spPr>
-        <p:txBody>
-          <a:bodyPr wrap="square" rtlCol="0">
-            <a:spAutoFit/>
-          </a:bodyPr>
-          <a:lstStyle/>
-          <a:p>
-            <a:r>
-              <a:rPr lang="en-US" sz="2000" dirty="0" smtClean="0">
-                <a:latin typeface="Helvetica Neue Light"/>
-                <a:cs typeface="Helvetica Neue Light"/>
-              </a:rPr>
-              <a:t>What’s the ID of the weather station?</a:t>
-            </a:r>
-            <a:endParaRPr lang="en-US" sz="2000" dirty="0">
-              <a:latin typeface="Helvetica Neue Light"/>
-              <a:cs typeface="Helvetica Neue Light"/>
-            </a:endParaRPr>
-          </a:p>
-        </p:txBody>
-      </p:sp>
-      <p:grpSp>
-        <p:nvGrpSpPr>
-          <p:cNvPr id="9" name="Group 8"/>
-          <p:cNvGrpSpPr/>
-          <p:nvPr/>
-        </p:nvGrpSpPr>
-        <p:grpSpPr>
-          <a:xfrm>
-            <a:off x="0" y="6564211"/>
-            <a:ext cx="6858000" cy="1646482"/>
-            <a:chOff x="0" y="3757763"/>
-            <a:chExt cx="6858000" cy="1646482"/>
-          </a:xfrm>
-        </p:grpSpPr>
-        <p:sp>
-          <p:nvSpPr>
-            <p:cNvPr id="7" name="Rectangle 6"/>
-            <p:cNvSpPr/>
-            <p:nvPr/>
-          </p:nvSpPr>
-          <p:spPr>
-            <a:xfrm>
-              <a:off x="0" y="3757763"/>
-              <a:ext cx="1106294" cy="1646482"/>
-            </a:xfrm>
-            <a:prstGeom prst="rect">
-              <a:avLst/>
-            </a:prstGeom>
-            <a:solidFill>
-              <a:schemeClr val="bg1">
-                <a:alpha val="70000"/>
-              </a:schemeClr>
-            </a:solidFill>
-            <a:ln>
-              <a:noFill/>
-            </a:ln>
-            <a:effectLst/>
-          </p:spPr>
-          <p:style>
-            <a:lnRef idx="1">
-              <a:schemeClr val="accent1"/>
-            </a:lnRef>
-            <a:fillRef idx="3">
-              <a:schemeClr val="accent1"/>
-            </a:fillRef>
-            <a:effectRef idx="2">
-              <a:schemeClr val="accent1"/>
-            </a:effectRef>
-            <a:fontRef idx="minor">
-              <a:schemeClr val="lt1"/>
-            </a:fontRef>
-          </p:style>
-          <p:txBody>
-            <a:bodyPr rtlCol="0" anchor="ctr"/>
-            <a:lstStyle/>
-            <a:p>
-              <a:pPr algn="ctr"/>
-              <a:endParaRPr lang="en-US"/>
-            </a:p>
-          </p:txBody>
-        </p:sp>
-        <p:sp>
-          <p:nvSpPr>
-            <p:cNvPr id="8" name="Rectangle 7"/>
-            <p:cNvSpPr/>
-            <p:nvPr/>
-          </p:nvSpPr>
-          <p:spPr>
-            <a:xfrm>
-              <a:off x="5751706" y="3757763"/>
-              <a:ext cx="1106294" cy="1646482"/>
-            </a:xfrm>
-            <a:prstGeom prst="rect">
-              <a:avLst/>
-            </a:prstGeom>
-            <a:solidFill>
-              <a:schemeClr val="bg1">
-                <a:alpha val="70000"/>
-              </a:schemeClr>
-            </a:solidFill>
-            <a:ln>
-              <a:noFill/>
-            </a:ln>
-            <a:effectLst/>
-          </p:spPr>
-          <p:style>
-            <a:lnRef idx="1">
-              <a:schemeClr val="accent1"/>
-            </a:lnRef>
-            <a:fillRef idx="3">
-              <a:schemeClr val="accent1"/>
-            </a:fillRef>
-            <a:effectRef idx="2">
-              <a:schemeClr val="accent1"/>
-            </a:effectRef>
-            <a:fontRef idx="minor">
-              <a:schemeClr val="lt1"/>
-            </a:fontRef>
-          </p:style>
-          <p:txBody>
-            <a:bodyPr rtlCol="0" anchor="ctr"/>
-            <a:lstStyle/>
-            <a:p>
-              <a:pPr algn="ctr"/>
-              <a:endParaRPr lang="en-US"/>
-            </a:p>
-          </p:txBody>
-        </p:sp>
-        <p:sp>
-          <p:nvSpPr>
-            <p:cNvPr id="11" name="TextBox 10"/>
-            <p:cNvSpPr txBox="1"/>
-            <p:nvPr/>
-          </p:nvSpPr>
-          <p:spPr>
-            <a:xfrm>
-              <a:off x="5895115" y="4062137"/>
-              <a:ext cx="790000" cy="1015663"/>
-            </a:xfrm>
-            <a:prstGeom prst="rect">
-              <a:avLst/>
-            </a:prstGeom>
-            <a:noFill/>
-          </p:spPr>
-          <p:txBody>
-            <a:bodyPr wrap="square" rtlCol="0">
-              <a:spAutoFit/>
-            </a:bodyPr>
-            <a:lstStyle/>
-            <a:p>
-              <a:r>
-                <a:rPr lang="en-US" sz="6000" dirty="0" smtClean="0">
-                  <a:latin typeface="Helvetica Neue Light"/>
-                  <a:cs typeface="Helvetica Neue Light"/>
-                  <a:sym typeface="Wingdings"/>
-                </a:rPr>
-                <a:t></a:t>
-              </a:r>
-              <a:endParaRPr lang="en-US" sz="6000" dirty="0">
-                <a:latin typeface="Helvetica Neue Light"/>
-                <a:cs typeface="Helvetica Neue Light"/>
-              </a:endParaRPr>
-            </a:p>
-          </p:txBody>
-        </p:sp>
-        <p:sp>
-          <p:nvSpPr>
-            <p:cNvPr id="12" name="TextBox 11"/>
-            <p:cNvSpPr txBox="1"/>
-            <p:nvPr/>
-          </p:nvSpPr>
-          <p:spPr>
-            <a:xfrm rot="10800000">
-              <a:off x="137660" y="4062137"/>
-              <a:ext cx="790000" cy="1015663"/>
-            </a:xfrm>
-            <a:prstGeom prst="rect">
-              <a:avLst/>
-            </a:prstGeom>
-            <a:noFill/>
-          </p:spPr>
-          <p:txBody>
-            <a:bodyPr wrap="square" rtlCol="0">
-              <a:spAutoFit/>
-            </a:bodyPr>
-            <a:lstStyle/>
-            <a:p>
-              <a:r>
-                <a:rPr lang="en-US" sz="6000" dirty="0" smtClean="0">
-                  <a:latin typeface="Helvetica Neue Light"/>
-                  <a:cs typeface="Helvetica Neue Light"/>
-                  <a:sym typeface="Wingdings"/>
-                </a:rPr>
-                <a:t></a:t>
-              </a:r>
-              <a:endParaRPr lang="en-US" sz="6000" dirty="0">
-                <a:latin typeface="Helvetica Neue Light"/>
-                <a:cs typeface="Helvetica Neue Light"/>
-              </a:endParaRPr>
-            </a:p>
-          </p:txBody>
-        </p:sp>
-      </p:grpSp>
-      <p:pic>
-        <p:nvPicPr>
-          <p:cNvPr id="13" name="Picture 12"/>
-          <p:cNvPicPr>
-            <a:picLocks noChangeAspect="1"/>
-          </p:cNvPicPr>
-          <p:nvPr/>
-        </p:nvPicPr>
-        <p:blipFill>
-          <a:blip r:embed="rId2" cstate="email">
-            <a:extLst>
-              <a:ext uri="{28A0092B-C50C-407E-A947-70E740481C1C}">
-                <a14:useLocalDpi xmlns:a14="http://schemas.microsoft.com/office/drawing/2010/main"/>
-              </a:ext>
-            </a:extLst>
-          </a:blip>
-          <a:stretch>
-            <a:fillRect/>
-          </a:stretch>
-        </p:blipFill>
-        <p:spPr>
-          <a:xfrm>
-            <a:off x="471199" y="4529824"/>
-            <a:ext cx="2895600" cy="445229"/>
-          </a:xfrm>
-          <a:prstGeom prst="rect">
-            <a:avLst/>
-          </a:prstGeom>
-        </p:spPr>
-      </p:pic>
-    </p:spTree>
-    <p:extLst>
-      <p:ext uri="{BB962C8B-B14F-4D97-AF65-F5344CB8AC3E}">
-        <p14:creationId xmlns:p14="http://schemas.microsoft.com/office/powerpoint/2010/main" val="380631191"/>
-      </p:ext>
-    </p:extLst>
-  </p:cSld>
-  <p:clrMapOvr>
-    <a:masterClrMapping/>
-  </p:clrMapOvr>
-</p:sld>
-</file>
-
-<file path=ppt/slides/slide4.xml><?xml version="1.0" encoding="utf-8"?>
-<p:sld xmlns:a="http://schemas.openxmlformats.org/drawingml/2006/main" xmlns:r="http://schemas.openxmlformats.org/officeDocument/2006/relationships" xmlns:p="http://schemas.openxmlformats.org/presentationml/2006/main">
-  <p:cSld>
-    <p:bg>
-      <p:bgPr>
-        <a:solidFill>
-          <a:schemeClr val="accent3"/>
-        </a:solidFill>
-        <a:effectLst/>
-      </p:bgPr>
-    </p:bg>
-    <p:spTree>
-      <p:nvGrpSpPr>
-        <p:cNvPr id="1" name=""/>
-        <p:cNvGrpSpPr/>
-        <p:nvPr/>
-      </p:nvGrpSpPr>
-      <p:grpSpPr>
-        <a:xfrm>
-          <a:off x="0" y="0"/>
-          <a:ext cx="0" cy="0"/>
-          <a:chOff x="0" y="0"/>
-          <a:chExt cx="0" cy="0"/>
-        </a:xfrm>
-      </p:grpSpPr>
-      <p:sp>
-        <p:nvSpPr>
-          <p:cNvPr id="5" name="Rectangle 4"/>
-          <p:cNvSpPr/>
-          <p:nvPr/>
-        </p:nvSpPr>
-        <p:spPr>
-          <a:xfrm>
             <a:off x="0" y="3234097"/>
             <a:ext cx="6858000" cy="3449164"/>
           </a:xfrm>
@@ -13284,18 +12956,18 @@
           <a:lstStyle/>
           <a:p>
             <a:r>
-              <a:rPr lang="en-US" sz="3400" dirty="0">
-                <a:latin typeface="Helvetica Neue Light"/>
-                <a:cs typeface="Helvetica Neue Light"/>
-              </a:rPr>
-              <a:t>2</a:t>
-            </a:r>
-            <a:r>
               <a:rPr lang="en-US" sz="3400" dirty="0" smtClean="0">
                 <a:latin typeface="Helvetica Neue Light"/>
                 <a:cs typeface="Helvetica Neue Light"/>
               </a:rPr>
-              <a:t>. FIND A PLACE</a:t>
+              <a:t>(I) FIND </a:t>
+            </a:r>
+            <a:r>
+              <a:rPr lang="en-US" sz="3400" dirty="0" smtClean="0">
+                <a:latin typeface="Helvetica Neue Light"/>
+                <a:cs typeface="Helvetica Neue Light"/>
+              </a:rPr>
+              <a:t>A PLACE</a:t>
             </a:r>
           </a:p>
         </p:txBody>
@@ -13496,6 +13168,432 @@
 </p:sld>
 </file>
 
+<file path=ppt/slides/slide4.xml><?xml version="1.0" encoding="utf-8"?>
+<p:sld xmlns:a="http://schemas.openxmlformats.org/drawingml/2006/main" xmlns:r="http://schemas.openxmlformats.org/officeDocument/2006/relationships" xmlns:p="http://schemas.openxmlformats.org/presentationml/2006/main">
+  <p:cSld>
+    <p:bg>
+      <p:bgPr>
+        <a:solidFill>
+          <a:schemeClr val="accent3"/>
+        </a:solidFill>
+        <a:effectLst/>
+      </p:bgPr>
+    </p:bg>
+    <p:spTree>
+      <p:nvGrpSpPr>
+        <p:cNvPr id="1" name=""/>
+        <p:cNvGrpSpPr/>
+        <p:nvPr/>
+      </p:nvGrpSpPr>
+      <p:grpSpPr>
+        <a:xfrm>
+          <a:off x="0" y="0"/>
+          <a:ext cx="0" cy="0"/>
+          <a:chOff x="0" y="0"/>
+          <a:chExt cx="0" cy="0"/>
+        </a:xfrm>
+      </p:grpSpPr>
+      <p:sp>
+        <p:nvSpPr>
+          <p:cNvPr id="5" name="Rectangle 4"/>
+          <p:cNvSpPr/>
+          <p:nvPr/>
+        </p:nvSpPr>
+        <p:spPr>
+          <a:xfrm>
+            <a:off x="0" y="3757763"/>
+            <a:ext cx="6858000" cy="1646482"/>
+          </a:xfrm>
+          <a:prstGeom prst="rect">
+            <a:avLst/>
+          </a:prstGeom>
+          <a:solidFill>
+            <a:schemeClr val="bg1">
+              <a:alpha val="70000"/>
+            </a:schemeClr>
+          </a:solidFill>
+          <a:ln>
+            <a:noFill/>
+          </a:ln>
+          <a:effectLst/>
+        </p:spPr>
+        <p:style>
+          <a:lnRef idx="1">
+            <a:schemeClr val="accent1"/>
+          </a:lnRef>
+          <a:fillRef idx="3">
+            <a:schemeClr val="accent1"/>
+          </a:fillRef>
+          <a:effectRef idx="2">
+            <a:schemeClr val="accent1"/>
+          </a:effectRef>
+          <a:fontRef idx="minor">
+            <a:schemeClr val="lt1"/>
+          </a:fontRef>
+        </p:style>
+        <p:txBody>
+          <a:bodyPr rtlCol="0" anchor="ctr"/>
+          <a:lstStyle/>
+          <a:p>
+            <a:pPr algn="ctr"/>
+            <a:endParaRPr lang="en-US"/>
+          </a:p>
+        </p:txBody>
+      </p:sp>
+      <p:sp>
+        <p:nvSpPr>
+          <p:cNvPr id="29" name="Rectangle 28"/>
+          <p:cNvSpPr/>
+          <p:nvPr/>
+        </p:nvSpPr>
+        <p:spPr>
+          <a:xfrm>
+            <a:off x="0" y="0"/>
+            <a:ext cx="6858000" cy="1065221"/>
+          </a:xfrm>
+          <a:prstGeom prst="rect">
+            <a:avLst/>
+          </a:prstGeom>
+          <a:solidFill>
+            <a:schemeClr val="bg1">
+              <a:alpha val="70000"/>
+            </a:schemeClr>
+          </a:solidFill>
+          <a:ln>
+            <a:noFill/>
+          </a:ln>
+          <a:effectLst/>
+        </p:spPr>
+        <p:style>
+          <a:lnRef idx="1">
+            <a:schemeClr val="accent1"/>
+          </a:lnRef>
+          <a:fillRef idx="3">
+            <a:schemeClr val="accent1"/>
+          </a:fillRef>
+          <a:effectRef idx="2">
+            <a:schemeClr val="accent1"/>
+          </a:effectRef>
+          <a:fontRef idx="minor">
+            <a:schemeClr val="lt1"/>
+          </a:fontRef>
+        </p:style>
+        <p:txBody>
+          <a:bodyPr rtlCol="0" anchor="ctr"/>
+          <a:lstStyle/>
+          <a:p>
+            <a:pPr algn="ctr"/>
+            <a:endParaRPr lang="en-US"/>
+          </a:p>
+        </p:txBody>
+      </p:sp>
+      <p:sp>
+        <p:nvSpPr>
+          <p:cNvPr id="30" name="Rectangle 29"/>
+          <p:cNvSpPr/>
+          <p:nvPr/>
+        </p:nvSpPr>
+        <p:spPr>
+          <a:xfrm>
+            <a:off x="471199" y="228600"/>
+            <a:ext cx="5941210" cy="615553"/>
+          </a:xfrm>
+          <a:prstGeom prst="rect">
+            <a:avLst/>
+          </a:prstGeom>
+        </p:spPr>
+        <p:txBody>
+          <a:bodyPr wrap="square">
+            <a:spAutoFit/>
+          </a:bodyPr>
+          <a:lstStyle/>
+          <a:p>
+            <a:r>
+              <a:rPr lang="en-US" sz="3400" dirty="0" smtClean="0">
+                <a:latin typeface="Helvetica Neue Light"/>
+                <a:cs typeface="Helvetica Neue Light"/>
+              </a:rPr>
+              <a:t>(C)</a:t>
+            </a:r>
+            <a:r>
+              <a:rPr lang="en-US" sz="3400" dirty="0" smtClean="0">
+                <a:latin typeface="Helvetica Neue Light"/>
+                <a:cs typeface="Helvetica Neue Light"/>
+              </a:rPr>
+              <a:t> </a:t>
+            </a:r>
+            <a:r>
+              <a:rPr lang="en-US" sz="3400" dirty="0" smtClean="0">
+                <a:latin typeface="Helvetica Neue Light"/>
+                <a:cs typeface="Helvetica Neue Light"/>
+              </a:rPr>
+              <a:t>REGISTER SENSOR</a:t>
+            </a:r>
+          </a:p>
+        </p:txBody>
+      </p:sp>
+      <p:sp>
+        <p:nvSpPr>
+          <p:cNvPr id="2" name="TextBox 1"/>
+          <p:cNvSpPr txBox="1"/>
+          <p:nvPr/>
+        </p:nvSpPr>
+        <p:spPr>
+          <a:xfrm>
+            <a:off x="471199" y="4185046"/>
+            <a:ext cx="5941210" cy="400110"/>
+          </a:xfrm>
+          <a:prstGeom prst="rect">
+            <a:avLst/>
+          </a:prstGeom>
+          <a:noFill/>
+        </p:spPr>
+        <p:txBody>
+          <a:bodyPr wrap="square" rtlCol="0">
+            <a:spAutoFit/>
+          </a:bodyPr>
+          <a:lstStyle/>
+          <a:p>
+            <a:r>
+              <a:rPr lang="en-US" sz="2000" dirty="0" smtClean="0">
+                <a:latin typeface="Helvetica Neue Light"/>
+                <a:cs typeface="Helvetica Neue Light"/>
+              </a:rPr>
+              <a:t>What’s the ID of the weather station?</a:t>
+            </a:r>
+            <a:endParaRPr lang="en-US" sz="2000" dirty="0">
+              <a:latin typeface="Helvetica Neue Light"/>
+              <a:cs typeface="Helvetica Neue Light"/>
+            </a:endParaRPr>
+          </a:p>
+        </p:txBody>
+      </p:sp>
+      <p:grpSp>
+        <p:nvGrpSpPr>
+          <p:cNvPr id="9" name="Group 8"/>
+          <p:cNvGrpSpPr/>
+          <p:nvPr/>
+        </p:nvGrpSpPr>
+        <p:grpSpPr>
+          <a:xfrm>
+            <a:off x="0" y="6564211"/>
+            <a:ext cx="6858000" cy="1646482"/>
+            <a:chOff x="0" y="3757763"/>
+            <a:chExt cx="6858000" cy="1646482"/>
+          </a:xfrm>
+        </p:grpSpPr>
+        <p:sp>
+          <p:nvSpPr>
+            <p:cNvPr id="7" name="Rectangle 6"/>
+            <p:cNvSpPr/>
+            <p:nvPr/>
+          </p:nvSpPr>
+          <p:spPr>
+            <a:xfrm>
+              <a:off x="0" y="3757763"/>
+              <a:ext cx="1106294" cy="1646482"/>
+            </a:xfrm>
+            <a:prstGeom prst="rect">
+              <a:avLst/>
+            </a:prstGeom>
+            <a:solidFill>
+              <a:schemeClr val="bg1">
+                <a:alpha val="70000"/>
+              </a:schemeClr>
+            </a:solidFill>
+            <a:ln>
+              <a:noFill/>
+            </a:ln>
+            <a:effectLst/>
+          </p:spPr>
+          <p:style>
+            <a:lnRef idx="1">
+              <a:schemeClr val="accent1"/>
+            </a:lnRef>
+            <a:fillRef idx="3">
+              <a:schemeClr val="accent1"/>
+            </a:fillRef>
+            <a:effectRef idx="2">
+              <a:schemeClr val="accent1"/>
+            </a:effectRef>
+            <a:fontRef idx="minor">
+              <a:schemeClr val="lt1"/>
+            </a:fontRef>
+          </p:style>
+          <p:txBody>
+            <a:bodyPr rtlCol="0" anchor="ctr"/>
+            <a:lstStyle/>
+            <a:p>
+              <a:pPr algn="ctr"/>
+              <a:endParaRPr lang="en-US"/>
+            </a:p>
+          </p:txBody>
+        </p:sp>
+        <p:sp>
+          <p:nvSpPr>
+            <p:cNvPr id="8" name="Rectangle 7"/>
+            <p:cNvSpPr/>
+            <p:nvPr/>
+          </p:nvSpPr>
+          <p:spPr>
+            <a:xfrm>
+              <a:off x="5751706" y="3757763"/>
+              <a:ext cx="1106294" cy="1646482"/>
+            </a:xfrm>
+            <a:prstGeom prst="rect">
+              <a:avLst/>
+            </a:prstGeom>
+            <a:solidFill>
+              <a:schemeClr val="bg1">
+                <a:alpha val="70000"/>
+              </a:schemeClr>
+            </a:solidFill>
+            <a:ln>
+              <a:noFill/>
+            </a:ln>
+            <a:effectLst/>
+          </p:spPr>
+          <p:style>
+            <a:lnRef idx="1">
+              <a:schemeClr val="accent1"/>
+            </a:lnRef>
+            <a:fillRef idx="3">
+              <a:schemeClr val="accent1"/>
+            </a:fillRef>
+            <a:effectRef idx="2">
+              <a:schemeClr val="accent1"/>
+            </a:effectRef>
+            <a:fontRef idx="minor">
+              <a:schemeClr val="lt1"/>
+            </a:fontRef>
+          </p:style>
+          <p:txBody>
+            <a:bodyPr rtlCol="0" anchor="ctr"/>
+            <a:lstStyle/>
+            <a:p>
+              <a:pPr algn="ctr"/>
+              <a:endParaRPr lang="en-US"/>
+            </a:p>
+          </p:txBody>
+        </p:sp>
+        <p:sp>
+          <p:nvSpPr>
+            <p:cNvPr id="11" name="TextBox 10"/>
+            <p:cNvSpPr txBox="1"/>
+            <p:nvPr/>
+          </p:nvSpPr>
+          <p:spPr>
+            <a:xfrm>
+              <a:off x="5895115" y="4062137"/>
+              <a:ext cx="790000" cy="1015663"/>
+            </a:xfrm>
+            <a:prstGeom prst="rect">
+              <a:avLst/>
+            </a:prstGeom>
+            <a:noFill/>
+          </p:spPr>
+          <p:txBody>
+            <a:bodyPr wrap="square" rtlCol="0">
+              <a:spAutoFit/>
+            </a:bodyPr>
+            <a:lstStyle/>
+            <a:p>
+              <a:r>
+                <a:rPr lang="en-US" sz="6000" dirty="0" smtClean="0">
+                  <a:latin typeface="Helvetica Neue Light"/>
+                  <a:cs typeface="Helvetica Neue Light"/>
+                  <a:sym typeface="Wingdings"/>
+                </a:rPr>
+                <a:t></a:t>
+              </a:r>
+              <a:endParaRPr lang="en-US" sz="6000" dirty="0">
+                <a:latin typeface="Helvetica Neue Light"/>
+                <a:cs typeface="Helvetica Neue Light"/>
+              </a:endParaRPr>
+            </a:p>
+          </p:txBody>
+        </p:sp>
+        <p:sp>
+          <p:nvSpPr>
+            <p:cNvPr id="12" name="TextBox 11"/>
+            <p:cNvSpPr txBox="1"/>
+            <p:nvPr/>
+          </p:nvSpPr>
+          <p:spPr>
+            <a:xfrm rot="10800000">
+              <a:off x="137660" y="4062137"/>
+              <a:ext cx="790000" cy="1015663"/>
+            </a:xfrm>
+            <a:prstGeom prst="rect">
+              <a:avLst/>
+            </a:prstGeom>
+            <a:noFill/>
+          </p:spPr>
+          <p:txBody>
+            <a:bodyPr wrap="square" rtlCol="0">
+              <a:spAutoFit/>
+            </a:bodyPr>
+            <a:lstStyle/>
+            <a:p>
+              <a:r>
+                <a:rPr lang="en-US" sz="6000" dirty="0" smtClean="0">
+                  <a:latin typeface="Helvetica Neue Light"/>
+                  <a:cs typeface="Helvetica Neue Light"/>
+                  <a:sym typeface="Wingdings"/>
+                </a:rPr>
+                <a:t></a:t>
+              </a:r>
+              <a:endParaRPr lang="en-US" sz="6000" dirty="0">
+                <a:latin typeface="Helvetica Neue Light"/>
+                <a:cs typeface="Helvetica Neue Light"/>
+              </a:endParaRPr>
+            </a:p>
+          </p:txBody>
+        </p:sp>
+      </p:grpSp>
+      <p:pic>
+        <p:nvPicPr>
+          <p:cNvPr id="13" name="Picture 12"/>
+          <p:cNvPicPr>
+            <a:picLocks noChangeAspect="1"/>
+          </p:cNvPicPr>
+          <p:nvPr/>
+        </p:nvPicPr>
+        <p:blipFill>
+          <a:blip r:embed="rId2" cstate="email">
+            <a:extLst>
+              <a:ext uri="{28A0092B-C50C-407E-A947-70E740481C1C}">
+                <a14:useLocalDpi xmlns:a14="http://schemas.microsoft.com/office/drawing/2010/main"/>
+              </a:ext>
+            </a:extLst>
+          </a:blip>
+          <a:stretch>
+            <a:fillRect/>
+          </a:stretch>
+        </p:blipFill>
+        <p:spPr>
+          <a:xfrm>
+            <a:off x="471199" y="4529824"/>
+            <a:ext cx="2895600" cy="445229"/>
+          </a:xfrm>
+          <a:prstGeom prst="rect">
+            <a:avLst/>
+          </a:prstGeom>
+        </p:spPr>
+      </p:pic>
+    </p:spTree>
+    <p:extLst>
+      <p:ext uri="{BB962C8B-B14F-4D97-AF65-F5344CB8AC3E}">
+        <p14:creationId xmlns:p14="http://schemas.microsoft.com/office/powerpoint/2010/main" val="380631191"/>
+      </p:ext>
+    </p:extLst>
+  </p:cSld>
+  <p:clrMapOvr>
+    <a:masterClrMapping/>
+  </p:clrMapOvr>
+</p:sld>
+</file>
+
 <file path=ppt/slides/slide5.xml><?xml version="1.0" encoding="utf-8"?>
 <p:sld xmlns:a="http://schemas.openxmlformats.org/drawingml/2006/main" xmlns:r="http://schemas.openxmlformats.org/officeDocument/2006/relationships" xmlns:p="http://schemas.openxmlformats.org/presentationml/2006/main">
   <p:cSld>
@@ -13637,11 +13735,25 @@
           <a:lstStyle/>
           <a:p>
             <a:r>
+              <a:rPr lang="en-US" sz="3400" dirty="0">
+                <a:latin typeface="Helvetica Neue Light"/>
+                <a:cs typeface="Helvetica Neue Light"/>
+              </a:rPr>
+              <a:t>(C</a:t>
+            </a:r>
+            <a:r>
               <a:rPr lang="en-US" sz="3400" dirty="0" smtClean="0">
                 <a:latin typeface="Helvetica Neue Light"/>
                 <a:cs typeface="Helvetica Neue Light"/>
               </a:rPr>
-              <a:t>4. SET NAME / LOCATION</a:t>
+              <a:t>) SET </a:t>
+            </a:r>
+            <a:r>
+              <a:rPr lang="en-US" sz="3400" dirty="0" smtClean="0">
+                <a:latin typeface="Helvetica Neue Light"/>
+                <a:cs typeface="Helvetica Neue Light"/>
+              </a:rPr>
+              <a:t>NAME / LOCATION</a:t>
             </a:r>
           </a:p>
         </p:txBody>
@@ -14084,14 +14196,21 @@
                 <a:latin typeface="Helvetica Neue Light"/>
                 <a:cs typeface="Helvetica Neue Light"/>
               </a:rPr>
-              <a:t>5</a:t>
+              <a:t>(C</a:t>
             </a:r>
             <a:r>
               <a:rPr lang="en-US" sz="3400" dirty="0" smtClean="0">
                 <a:latin typeface="Helvetica Neue Light"/>
                 <a:cs typeface="Helvetica Neue Light"/>
               </a:rPr>
-              <a:t>. BEST CARRIER</a:t>
+              <a:t>) BEST </a:t>
+            </a:r>
+            <a:r>
+              <a:rPr lang="en-US" sz="3400" dirty="0" smtClean="0">
+                <a:latin typeface="Helvetica Neue Light"/>
+                <a:cs typeface="Helvetica Neue Light"/>
+              </a:rPr>
+              <a:t>CARRIER</a:t>
             </a:r>
           </a:p>
         </p:txBody>
@@ -14499,11 +14618,18 @@
           <a:lstStyle/>
           <a:p>
             <a:r>
+              <a:rPr lang="en-US" sz="3400" dirty="0">
+                <a:latin typeface="Helvetica Neue Light"/>
+                <a:cs typeface="Helvetica Neue Light"/>
+              </a:rPr>
+              <a:t>(C) </a:t>
+            </a:r>
+            <a:r>
               <a:rPr lang="en-US" sz="3400" dirty="0" smtClean="0">
                 <a:latin typeface="Helvetica Neue Light"/>
                 <a:cs typeface="Helvetica Neue Light"/>
               </a:rPr>
-              <a:t>6. SET NUMBER</a:t>
+              <a:t>SET NUMBER</a:t>
             </a:r>
           </a:p>
         </p:txBody>
@@ -14868,15 +14994,19 @@
                 <a:latin typeface="Helvetica Neue Light"/>
                 <a:cs typeface="Helvetica Neue Light"/>
               </a:rPr>
-              <a:t>7</a:t>
+              <a:t>(C</a:t>
             </a:r>
             <a:r>
               <a:rPr lang="en-US" sz="3400" dirty="0" smtClean="0">
                 <a:latin typeface="Helvetica Neue Light"/>
                 <a:cs typeface="Helvetica Neue Light"/>
               </a:rPr>
-              <a:t>. CONFIRMATION</a:t>
-            </a:r>
+              <a:t>) CONFIRMATION</a:t>
+            </a:r>
+            <a:endParaRPr lang="en-US" sz="3400" dirty="0" smtClean="0">
+              <a:latin typeface="Helvetica Neue Light"/>
+              <a:cs typeface="Helvetica Neue Light"/>
+            </a:endParaRPr>
           </a:p>
         </p:txBody>
       </p:sp>
@@ -15685,18 +15815,25 @@
           <a:lstStyle/>
           <a:p>
             <a:r>
-              <a:rPr lang="en-US" sz="3400" dirty="0">
-                <a:latin typeface="Helvetica Neue Light"/>
-                <a:cs typeface="Helvetica Neue Light"/>
-              </a:rPr>
-              <a:t>8</a:t>
-            </a:r>
-            <a:r>
               <a:rPr lang="en-US" sz="3400" dirty="0" smtClean="0">
                 <a:latin typeface="Helvetica Neue Light"/>
                 <a:cs typeface="Helvetica Neue Light"/>
               </a:rPr>
-              <a:t>. CHECK BLUETOOTH</a:t>
+              <a:t>(I) </a:t>
+            </a:r>
+            <a:r>
+              <a:rPr lang="en-US" sz="3400" dirty="0" smtClean="0">
+                <a:latin typeface="Helvetica Neue Light"/>
+                <a:cs typeface="Helvetica Neue Light"/>
+              </a:rPr>
+              <a:t>CHECK </a:t>
+            </a:r>
+            <a:r>
+              <a:rPr lang="en-US" sz="3400" dirty="0" smtClean="0">
+                <a:latin typeface="Helvetica Neue Light"/>
+                <a:cs typeface="Helvetica Neue Light"/>
+              </a:rPr>
+              <a:t>BLUETOOTH</a:t>
             </a:r>
           </a:p>
         </p:txBody>
